--- a/Кванториум.pptx
+++ b/Кванториум.pptx
@@ -275,7 +275,7 @@
       <p15:sldGuideLst xmlns:p15="http://schemas.microsoft.com/office/powerpoint/2012/main"/>
     </p:ext>
     <p:ext uri="http://customooxmlschemas.google.com/">
-      <go:slidesCustomData xmlns:go="http://customooxmlschemas.google.com/" xmlns:p15="http://schemas.microsoft.com/office/powerpoint/2012/main" xmlns:p14="http://schemas.microsoft.com/office/powerpoint/2010/main" xmlns:com="http://schemas.openxmlformats.org/drawingml/2006/compatibility" xmlns:pvml="urn:schemas-microsoft-com:office:powerpoint" xmlns:v="urn:schemas-microsoft-com:vml" xmlns:o="urn:schemas-microsoft-com:office:office" xmlns:dgm="http://schemas.openxmlformats.org/drawingml/2006/diagram" xmlns:c="http://schemas.openxmlformats.org/drawingml/2006/chart" xmlns:mv="urn:schemas-microsoft-com:mac:vml" xmlns:mc="http://schemas.openxmlformats.org/markup-compatibility/2006" xmlns="" r:id="rId30" roundtripDataSignature="AMtx7mgNWsMyjYNg9VeFI5q0mk5xnBHyfw=="/>
+      <go:slidesCustomData xmlns="" xmlns:mc="http://schemas.openxmlformats.org/markup-compatibility/2006" xmlns:mv="urn:schemas-microsoft-com:mac:vml" xmlns:c="http://schemas.openxmlformats.org/drawingml/2006/chart" xmlns:dgm="http://schemas.openxmlformats.org/drawingml/2006/diagram" xmlns:o="urn:schemas-microsoft-com:office:office" xmlns:v="urn:schemas-microsoft-com:vml" xmlns:pvml="urn:schemas-microsoft-com:office:powerpoint" xmlns:com="http://schemas.openxmlformats.org/drawingml/2006/compatibility" xmlns:p14="http://schemas.microsoft.com/office/powerpoint/2010/main" xmlns:p15="http://schemas.microsoft.com/office/powerpoint/2012/main" xmlns:go="http://customooxmlschemas.google.com/" r:id="rId30" roundtripDataSignature="AMtx7mgNWsMyjYNg9VeFI5q0mk5xnBHyfw=="/>
     </p:ext>
   </p:extLst>
 </p:presentation>
@@ -14485,15 +14485,7 @@
             </a:pPr>
             <a:r>
               <a:rPr lang="ru-RU" dirty="0"/>
-              <a:t>ВЫПОЛНИЛИ: </a:t>
-            </a:r>
-            <a:r>
-              <a:rPr lang="ru-RU" dirty="0"/>
-              <a:t>КОРАБЛЕВ </a:t>
-            </a:r>
-            <a:r>
-              <a:rPr lang="ru-RU" dirty="0"/>
-              <a:t>НИКИТА</a:t>
+              <a:t>ВЫПОЛНИЛИ: КОРАБЛЕВ НИКИТА</a:t>
             </a:r>
           </a:p>
           <a:p>
@@ -14513,7 +14505,6 @@
               <a:rPr lang="ru-RU" dirty="0"/>
               <a:t>БАСЫРОВ АЛЕКСАНДР </a:t>
             </a:r>
-            <a:endParaRPr lang="ru-RU" dirty="0"/>
           </a:p>
           <a:p>
             <a:pPr marL="0" lvl="0" indent="0" algn="r" rtl="0">
@@ -16598,10 +16589,10 @@
               <a:buNone/>
             </a:pPr>
             <a:r>
-              <a:rPr lang="ru-RU"/>
-              <a:t>Мониторинг</a:t>
+              <a:rPr lang="ru-RU" dirty="0" smtClean="0"/>
+              <a:t>Прогноз</a:t>
             </a:r>
-            <a:endParaRPr/>
+            <a:endParaRPr dirty="0"/>
           </a:p>
         </p:txBody>
       </p:sp>

--- a/Кванториум.pptx
+++ b/Кванториум.pptx
@@ -29,16 +29,16 @@
   <p:notesSz cx="6858000" cy="9144000"/>
   <p:embeddedFontLst>
     <p:embeddedFont>
-      <p:font typeface="Maven Pro" panose="020B0604020202020204" charset="0"/>
+      <p:font typeface="Calibri" panose="020F0502020204030204" pitchFamily="34" charset="0"/>
       <p:regular r:id="rId19"/>
       <p:bold r:id="rId20"/>
+      <p:italic r:id="rId21"/>
+      <p:boldItalic r:id="rId22"/>
     </p:embeddedFont>
     <p:embeddedFont>
-      <p:font typeface="Calibri" panose="020F0502020204030204" pitchFamily="34" charset="0"/>
-      <p:regular r:id="rId21"/>
-      <p:bold r:id="rId22"/>
-      <p:italic r:id="rId23"/>
-      <p:boldItalic r:id="rId24"/>
+      <p:font typeface="Maven Pro" panose="020B0604020202020204" charset="0"/>
+      <p:regular r:id="rId23"/>
+      <p:bold r:id="rId24"/>
     </p:embeddedFont>
   </p:embeddedFontLst>
   <p:defaultTextStyle>
@@ -275,7 +275,7 @@
       <p15:sldGuideLst xmlns:p15="http://schemas.microsoft.com/office/powerpoint/2012/main"/>
     </p:ext>
     <p:ext uri="http://customooxmlschemas.google.com/">
-      <go:slidesCustomData xmlns="" xmlns:mc="http://schemas.openxmlformats.org/markup-compatibility/2006" xmlns:mv="urn:schemas-microsoft-com:mac:vml" xmlns:c="http://schemas.openxmlformats.org/drawingml/2006/chart" xmlns:dgm="http://schemas.openxmlformats.org/drawingml/2006/diagram" xmlns:o="urn:schemas-microsoft-com:office:office" xmlns:v="urn:schemas-microsoft-com:vml" xmlns:pvml="urn:schemas-microsoft-com:office:powerpoint" xmlns:com="http://schemas.openxmlformats.org/drawingml/2006/compatibility" xmlns:p14="http://schemas.microsoft.com/office/powerpoint/2010/main" xmlns:p15="http://schemas.microsoft.com/office/powerpoint/2012/main" xmlns:go="http://customooxmlschemas.google.com/" r:id="rId30" roundtripDataSignature="AMtx7mgNWsMyjYNg9VeFI5q0mk5xnBHyfw=="/>
+      <go:slidesCustomData xmlns:go="http://customooxmlschemas.google.com/" xmlns:p15="http://schemas.microsoft.com/office/powerpoint/2012/main" xmlns:p14="http://schemas.microsoft.com/office/powerpoint/2010/main" xmlns:com="http://schemas.openxmlformats.org/drawingml/2006/compatibility" xmlns:pvml="urn:schemas-microsoft-com:office:powerpoint" xmlns:v="urn:schemas-microsoft-com:vml" xmlns:o="urn:schemas-microsoft-com:office:office" xmlns:dgm="http://schemas.openxmlformats.org/drawingml/2006/diagram" xmlns:c="http://schemas.openxmlformats.org/drawingml/2006/chart" xmlns:mv="urn:schemas-microsoft-com:mac:vml" xmlns:mc="http://schemas.openxmlformats.org/markup-compatibility/2006" xmlns="" r:id="rId30" roundtripDataSignature="AMtx7mgNWsMyjYNg9VeFI5q0mk5xnBHyfw=="/>
     </p:ext>
   </p:extLst>
 </p:presentation>
